--- a/Doc/PHD_Papers/Thesis_Proposal/开题V2.pptx
+++ b/Doc/PHD_Papers/Thesis_Proposal/开题V2.pptx
@@ -21106,16 +21106,7 @@
             </a:pPr>
             <a:r>
               <a:rPr lang="en-US" altLang="zh-CN" dirty="0"/>
-              <a:t>SPECTRE</a:t>
-            </a:r>
-          </a:p>
-          <a:p>
-            <a:pPr lvl="1">
-              <a:buSzPct val="100000"/>
-            </a:pPr>
-            <a:r>
-              <a:rPr lang="en-US" altLang="zh-CN" dirty="0"/>
-              <a:t>PHAMTOM </a:t>
+              <a:t>SPECTRE </a:t>
             </a:r>
             <a:br>
               <a:rPr lang="en-US" altLang="zh-CN" dirty="0"/>
@@ -25821,8 +25812,8 @@
         </p:nvSpPr>
         <p:spPr>
           <a:xfrm>
-            <a:off x="139700" y="774035"/>
-            <a:ext cx="8864600" cy="5850601"/>
+            <a:off x="139700" y="774036"/>
+            <a:ext cx="8864600" cy="5427662"/>
           </a:xfrm>
         </p:spPr>
         <p:txBody>
@@ -25840,43 +25831,13 @@
             <a:endParaRPr lang="en-US" altLang="zh-CN" sz="2600" dirty="0"/>
           </a:p>
           <a:p>
-            <a:pPr marL="0" indent="0">
-              <a:buNone/>
+            <a:pPr>
+              <a:buFont typeface="Wingdings" panose="05000000000000000000" pitchFamily="2" charset="2"/>
+              <a:buChar char="n"/>
             </a:pPr>
-            <a:endParaRPr lang="en-US" altLang="zh-CN" sz="2600" dirty="0"/>
-          </a:p>
-          <a:p>
-            <a:pPr>
-              <a:buFont typeface="Wingdings" panose="05000000000000000000" pitchFamily="2" charset="2"/>
-              <a:buChar char="n"/>
-            </a:pPr>
             <a:r>
               <a:rPr lang="zh-CN" altLang="en-US" sz="2600" dirty="0"/>
-              <a:t>拟结合</a:t>
-            </a:r>
-            <a:r>
-              <a:rPr lang="zh-CN" altLang="en-US" sz="2600" dirty="0">
-                <a:solidFill>
-                  <a:srgbClr val="FF0000"/>
-                </a:solidFill>
-              </a:rPr>
-              <a:t>无线节点的活动时间</a:t>
-            </a:r>
-            <a:r>
-              <a:rPr lang="zh-CN" altLang="en-US" sz="2600" dirty="0"/>
-              <a:t>和</a:t>
-            </a:r>
-            <a:r>
-              <a:rPr lang="zh-CN" altLang="en-US" sz="2600" dirty="0">
-                <a:solidFill>
-                  <a:srgbClr val="FF0000"/>
-                </a:solidFill>
-              </a:rPr>
-              <a:t>参与共识的比率</a:t>
-            </a:r>
-            <a:r>
-              <a:rPr lang="zh-CN" altLang="en-US" sz="2600" dirty="0"/>
-              <a:t>，设计公平、稳定、高效的无线区块链共识算法，降低参与共识节点的</a:t>
+              <a:t>拟结合节点的活动时间和参与共识的比率，设计公平、稳定、高效的无线区块链共识算法，降低参与共识节点的</a:t>
             </a:r>
             <a:r>
               <a:rPr lang="zh-CN" altLang="en-US" sz="2600" dirty="0">
@@ -27488,7 +27449,7 @@
         <p:spPr>
           <a:xfrm>
             <a:off x="2483768" y="-27384"/>
-            <a:ext cx="6768752" cy="523220"/>
+            <a:ext cx="6768752" cy="584775"/>
           </a:xfrm>
           <a:prstGeom prst="rect">
             <a:avLst/>
@@ -27505,7 +27466,7 @@
               <a:defRPr/>
             </a:pPr>
             <a:r>
-              <a:rPr lang="en-US" altLang="zh-CN" sz="2800" dirty="0">
+              <a:rPr lang="en-US" altLang="zh-CN" sz="3200" dirty="0">
                 <a:solidFill>
                   <a:schemeClr val="accent2">
                     <a:lumMod val="50000"/>
@@ -27515,14 +27476,14 @@
               <a:t>1. </a:t>
             </a:r>
             <a:r>
-              <a:rPr lang="zh-CN" altLang="en-US" sz="2800" dirty="0">
+              <a:rPr lang="zh-CN" altLang="en-US" sz="3200" dirty="0">
                 <a:solidFill>
                   <a:schemeClr val="accent2">
                     <a:lumMod val="50000"/>
                   </a:schemeClr>
                 </a:solidFill>
               </a:rPr>
-              <a:t>基于节点稳定性的无线区块链共识算法</a:t>
+              <a:t>基于节点稳定度的区块链共识算法</a:t>
             </a:r>
           </a:p>
         </p:txBody>
@@ -28548,17 +28509,7 @@
             </a:pPr>
             <a:r>
               <a:rPr lang="zh-CN" altLang="en-US" b="0" dirty="0"/>
-              <a:t>网络分区引起区块链分叉</a:t>
-            </a:r>
-            <a:endParaRPr lang="en-US" altLang="zh-CN" b="0" dirty="0"/>
-          </a:p>
-          <a:p>
-            <a:pPr lvl="1">
-              <a:buSzPct val="100000"/>
-            </a:pPr>
-            <a:r>
-              <a:rPr lang="zh-CN" altLang="en-US" b="0" dirty="0"/>
-              <a:t>网络分区恢复会分叉处理问题</a:t>
+              <a:t>区块链分叉</a:t>
             </a:r>
             <a:endParaRPr lang="en-US" altLang="zh-CN" b="0" dirty="0"/>
           </a:p>
@@ -28664,7 +28615,7 @@
             </a:pPr>
             <a:r>
               <a:rPr lang="zh-CN" altLang="en-US" sz="2600" dirty="0"/>
-              <a:t>当无线自组织网络规模较大时，单出块节点的区块链共识算法只具有弱一致性、且区块确认时延长，无法满足快速、安全、稳定处理交易的需求。</a:t>
+              <a:t>当无线自组织网络规模较变大时，单出块节点的区块链共识算法只具有弱一致性、共识时延长且无法满足快速处理交易的需求。基于委员会的共识算法具有强一致性，并且通过委员会广播共识结果可以提高系统维护全局区块链一致的效率。</a:t>
             </a:r>
             <a:endParaRPr lang="en-US" altLang="zh-CN" sz="2600" dirty="0"/>
           </a:p>
@@ -28674,72 +28625,64 @@
               <a:buChar char="n"/>
             </a:pPr>
             <a:r>
+              <a:rPr lang="zh-CN" altLang="zh-CN" sz="2600" dirty="0"/>
+              <a:t>拟针对</a:t>
+            </a:r>
+            <a:r>
               <a:rPr lang="zh-CN" altLang="en-US" sz="2600" dirty="0"/>
-              <a:t>在无线自组织网场景下，</a:t>
+              <a:t>节点</a:t>
             </a:r>
             <a:r>
               <a:rPr lang="zh-CN" altLang="zh-CN" sz="2600" dirty="0"/>
-              <a:t>针对</a:t>
+              <a:t>资源有限</a:t>
             </a:r>
             <a:r>
               <a:rPr lang="zh-CN" altLang="en-US" sz="2600" dirty="0"/>
-              <a:t>单出块节点共识算法区块确认时延高、容易发生链分叉以及无线自组织网络拓扑动态变化等问题</a:t>
+              <a:t>、网路拓扑</a:t>
             </a:r>
             <a:r>
               <a:rPr lang="zh-CN" altLang="zh-CN" sz="2600" dirty="0"/>
-              <a:t>，拟</a:t>
+              <a:t>动态</a:t>
             </a:r>
             <a:r>
               <a:rPr lang="zh-CN" altLang="en-US" sz="2600" dirty="0"/>
-              <a:t>结合</a:t>
-            </a:r>
-            <a:r>
-              <a:rPr lang="zh-CN" altLang="en-US" sz="2600" dirty="0">
-                <a:solidFill>
-                  <a:srgbClr val="FF0000"/>
-                </a:solidFill>
-              </a:rPr>
-              <a:t>无线节点的稳定性</a:t>
+              <a:t>变化、</a:t>
+            </a:r>
+            <a:r>
+              <a:rPr lang="zh-CN" altLang="zh-CN" sz="2600" dirty="0"/>
+              <a:t>规模较大的</a:t>
             </a:r>
             <a:r>
               <a:rPr lang="zh-CN" altLang="en-US" sz="2600" dirty="0"/>
-              <a:t>和</a:t>
-            </a:r>
-            <a:r>
-              <a:rPr lang="zh-CN" altLang="en-US" sz="2600" dirty="0">
-                <a:solidFill>
-                  <a:srgbClr val="FF0000"/>
-                </a:solidFill>
-              </a:rPr>
-              <a:t>经典的分布式系统</a:t>
-            </a:r>
-            <a:r>
-              <a:rPr lang="zh-CN" altLang="zh-CN" sz="2600" dirty="0">
-                <a:solidFill>
-                  <a:srgbClr val="FF0000"/>
-                </a:solidFill>
-              </a:rPr>
-              <a:t>一致性算法</a:t>
+              <a:t>无线自组织网络场景</a:t>
             </a:r>
             <a:r>
               <a:rPr lang="zh-CN" altLang="zh-CN" sz="2600" dirty="0"/>
-              <a:t>，设计</a:t>
+              <a:t>，以稳定</a:t>
             </a:r>
             <a:r>
               <a:rPr lang="zh-CN" altLang="en-US" sz="2600" dirty="0"/>
-              <a:t>快速、稳定的基于委员会的无线</a:t>
+              <a:t>的</a:t>
             </a:r>
             <a:r>
               <a:rPr lang="zh-CN" altLang="zh-CN" sz="2600" dirty="0"/>
-              <a:t>区块链共识算法</a:t>
+              <a:t>共识</a:t>
             </a:r>
             <a:r>
               <a:rPr lang="zh-CN" altLang="en-US" sz="2600" dirty="0"/>
-              <a:t>，提高无线区块链系统共识的稳定性和交易处理效率</a:t>
+              <a:t>过程和共识算法强</a:t>
             </a:r>
             <a:r>
               <a:rPr lang="zh-CN" altLang="zh-CN" sz="2600" dirty="0"/>
-              <a:t>。</a:t>
+              <a:t>一致性为设计目标，采用区块链共识算法与经典一致性算法相结合的方式，设计更安全、快速、高效的</a:t>
+            </a:r>
+            <a:r>
+              <a:rPr lang="zh-CN" altLang="en-US" sz="2600" dirty="0"/>
+              <a:t>基于委员会的无线</a:t>
+            </a:r>
+            <a:r>
+              <a:rPr lang="zh-CN" altLang="zh-CN" sz="2600" dirty="0"/>
+              <a:t>区块链共识算法。</a:t>
             </a:r>
             <a:endParaRPr lang="en-US" altLang="zh-CN" sz="2600" dirty="0"/>
           </a:p>
@@ -29088,7 +29031,7 @@
         <p:spPr>
           <a:xfrm>
             <a:off x="2339752" y="17253"/>
-            <a:ext cx="6804248" cy="523220"/>
+            <a:ext cx="6804248" cy="584775"/>
           </a:xfrm>
           <a:prstGeom prst="rect">
             <a:avLst/>
@@ -29105,7 +29048,7 @@
               <a:defRPr/>
             </a:pPr>
             <a:r>
-              <a:rPr lang="en-US" altLang="zh-CN" sz="2800" dirty="0">
+              <a:rPr lang="en-US" altLang="zh-CN" sz="3200" dirty="0">
                 <a:solidFill>
                   <a:schemeClr val="accent2">
                     <a:lumMod val="50000"/>
@@ -29115,14 +29058,14 @@
               <a:t>2.  </a:t>
             </a:r>
             <a:r>
-              <a:rPr lang="zh-CN" altLang="en-US" sz="2800" dirty="0">
+              <a:rPr lang="zh-CN" altLang="en-US" sz="3200" dirty="0">
                 <a:solidFill>
                   <a:schemeClr val="accent2">
                     <a:lumMod val="50000"/>
                   </a:schemeClr>
                 </a:solidFill>
               </a:rPr>
-              <a:t>基于稳定委员会的无线区块链共识算法</a:t>
+              <a:t>基于稳定委员会的区块链共识算法</a:t>
             </a:r>
           </a:p>
         </p:txBody>
@@ -30000,16 +29943,13 @@
               <a:rPr lang="zh-CN" altLang="en-US" dirty="0"/>
               <a:t>通过随机方式选取新的委员会节点，用于替换部分委员会中稳定度低的节点</a:t>
             </a:r>
-            <a:endParaRPr lang="en-US" altLang="zh-CN" dirty="0"/>
-          </a:p>
-          <a:p>
-            <a:pPr lvl="1">
-              <a:buSzPct val="100000"/>
+            <a:endParaRPr lang="zh-CN" altLang="zh-CN" dirty="0"/>
+          </a:p>
+          <a:p>
+            <a:pPr>
+              <a:buFont typeface="Wingdings" panose="05000000000000000000" pitchFamily="2" charset="2"/>
+              <a:buChar char="n"/>
             </a:pPr>
-            <a:r>
-              <a:rPr lang="zh-CN" altLang="en-US" dirty="0"/>
-              <a:t>当委员会成员无法收到大部分回复时，采取分区恢复机制</a:t>
-            </a:r>
             <a:endParaRPr lang="en-US" altLang="zh-CN" dirty="0"/>
           </a:p>
           <a:p>
@@ -30279,7 +30219,7 @@
         <p:spPr>
           <a:xfrm>
             <a:off x="2339752" y="17253"/>
-            <a:ext cx="6804248" cy="523220"/>
+            <a:ext cx="6804248" cy="584775"/>
           </a:xfrm>
           <a:prstGeom prst="rect">
             <a:avLst/>
@@ -30296,7 +30236,7 @@
               <a:defRPr/>
             </a:pPr>
             <a:r>
-              <a:rPr lang="en-US" altLang="zh-CN" sz="2800" dirty="0">
+              <a:rPr lang="en-US" altLang="zh-CN" sz="3200" dirty="0">
                 <a:solidFill>
                   <a:schemeClr val="accent2">
                     <a:lumMod val="50000"/>
@@ -30306,14 +30246,14 @@
               <a:t>2.  </a:t>
             </a:r>
             <a:r>
-              <a:rPr lang="zh-CN" altLang="en-US" sz="2800" dirty="0">
+              <a:rPr lang="zh-CN" altLang="en-US" sz="3200" dirty="0">
                 <a:solidFill>
                   <a:schemeClr val="accent2">
                     <a:lumMod val="50000"/>
                   </a:schemeClr>
                 </a:solidFill>
               </a:rPr>
-              <a:t>基于稳定委员会的无线区块链共识算法</a:t>
+              <a:t>基于稳定委员会的区块链共识算法</a:t>
             </a:r>
           </a:p>
         </p:txBody>
@@ -31354,13 +31294,9 @@
             <a:endParaRPr lang="en-US" altLang="zh-CN" b="0" dirty="0"/>
           </a:p>
           <a:p>
-            <a:pPr lvl="1">
-              <a:buSzPct val="100000"/>
+            <a:pPr marL="0" indent="0">
+              <a:buNone/>
             </a:pPr>
-            <a:r>
-              <a:rPr lang="zh-CN" altLang="en-US" b="0" dirty="0"/>
-              <a:t>网络分区造成无法选举出足够数量的委员会或出现多个委员会</a:t>
-            </a:r>
             <a:endParaRPr lang="en-US" altLang="zh-CN" b="0" kern="0" dirty="0"/>
           </a:p>
           <a:p>
@@ -31462,24 +31398,58 @@
             </a:pPr>
             <a:r>
               <a:rPr lang="zh-CN" altLang="en-US" sz="2400" dirty="0"/>
-              <a:t>在大规模无线自组织网络场景中，网络节点分布区域广，系统达成全局共识的确认时延会增加，交易处理的效率会降低，无法满足区块链系统交易处理的高效性和时效性的需求。</a:t>
+              <a:t>在大规模无线自组织网络场景中，网络节点分布区域广，边缘节点计算资源和网络资源都非常有限。在大规模网络中达成共识的高共识时延和低交易处理的效率无法满足交易处理的高效性和时效性地需求。</a:t>
             </a:r>
             <a:endParaRPr lang="en-US" altLang="zh-CN" sz="2400" dirty="0"/>
           </a:p>
           <a:p>
-            <a:pPr marL="0" indent="0">
-              <a:buNone/>
+            <a:pPr>
+              <a:buFont typeface="Wingdings" panose="05000000000000000000" pitchFamily="2" charset="2"/>
+              <a:buChar char="n"/>
             </a:pPr>
-            <a:endParaRPr lang="en-US" altLang="zh-CN" sz="2400" dirty="0"/>
-          </a:p>
-          <a:p>
-            <a:pPr>
-              <a:buFont typeface="Wingdings" panose="05000000000000000000" pitchFamily="2" charset="2"/>
-              <a:buChar char="n"/>
-            </a:pPr>
             <a:r>
               <a:rPr lang="zh-CN" altLang="en-US" sz="2400" dirty="0"/>
-              <a:t>针对组网规模大、节点分布范围广的无线自组织网络场景，拟结合网络分布特征、节点的稳定性和分布式系统一致性协议，设计具有高稳定性和较高</a:t>
+              <a:t>拟针对组网规模大、节点分布范围广的无线自组织网络场景，</a:t>
+            </a:r>
+            <a:r>
+              <a:rPr lang="zh-CN" altLang="zh-CN" sz="2400" dirty="0"/>
+              <a:t>考虑边缘节点有限</a:t>
+            </a:r>
+            <a:r>
+              <a:rPr lang="zh-CN" altLang="en-US" sz="2400" dirty="0"/>
+              <a:t>的计算</a:t>
+            </a:r>
+            <a:r>
+              <a:rPr lang="zh-CN" altLang="zh-CN" sz="2400" dirty="0"/>
+              <a:t>资源</a:t>
+            </a:r>
+            <a:r>
+              <a:rPr lang="zh-CN" altLang="en-US" sz="2400" dirty="0"/>
+              <a:t>、网络拓扑动态变化</a:t>
+            </a:r>
+            <a:r>
+              <a:rPr lang="zh-CN" altLang="zh-CN" sz="2400" dirty="0"/>
+              <a:t>以及节点共识的通信资源高等问题，以提升交易处理性能</a:t>
+            </a:r>
+            <a:r>
+              <a:rPr lang="zh-CN" altLang="en-US" sz="2400" dirty="0"/>
+              <a:t>和</a:t>
+            </a:r>
+            <a:r>
+              <a:rPr lang="zh-CN" altLang="zh-CN" sz="2400" dirty="0"/>
+              <a:t>降低</a:t>
+            </a:r>
+            <a:r>
+              <a:rPr lang="zh-CN" altLang="en-US" sz="2400" dirty="0"/>
+              <a:t>共识时延</a:t>
+            </a:r>
+            <a:r>
+              <a:rPr lang="zh-CN" altLang="zh-CN" sz="2400" dirty="0"/>
+              <a:t>为目标，设计</a:t>
+            </a:r>
+            <a:r>
+              <a:rPr lang="zh-CN" altLang="en-US" sz="2400" dirty="0"/>
+              <a:t>具有高稳定性和</a:t>
             </a:r>
             <a:r>
               <a:rPr lang="zh-CN" altLang="zh-CN" sz="2400" dirty="0"/>
@@ -31487,15 +31457,11 @@
             </a:r>
             <a:r>
               <a:rPr lang="zh-CN" altLang="en-US" sz="2400" dirty="0"/>
-              <a:t>基于多委员会无线区块链</a:t>
+              <a:t>多委员会无线区块链</a:t>
             </a:r>
             <a:r>
               <a:rPr lang="zh-CN" altLang="zh-CN" sz="2400" dirty="0"/>
-              <a:t>共识算法</a:t>
-            </a:r>
-            <a:r>
-              <a:rPr lang="zh-CN" altLang="en-US" sz="2400" dirty="0"/>
-              <a:t>，降低共识所需的网络通信开销和提高区块链系统交易处理效率。</a:t>
+              <a:t>共识算法。</a:t>
             </a:r>
             <a:endParaRPr lang="en-US" altLang="zh-CN" sz="2400" dirty="0"/>
           </a:p>
@@ -31876,7 +31842,7 @@
         <p:spPr>
           <a:xfrm>
             <a:off x="2667581" y="41275"/>
-            <a:ext cx="6368916" cy="523220"/>
+            <a:ext cx="6368916" cy="584775"/>
           </a:xfrm>
           <a:prstGeom prst="rect">
             <a:avLst/>
@@ -31893,7 +31859,7 @@
               <a:defRPr/>
             </a:pPr>
             <a:r>
-              <a:rPr lang="en-US" altLang="zh-CN" sz="2800" dirty="0">
+              <a:rPr lang="en-US" altLang="zh-CN" sz="3200" dirty="0">
                 <a:solidFill>
                   <a:schemeClr val="accent2">
                     <a:lumMod val="50000"/>
@@ -31903,14 +31869,14 @@
               <a:t>3.  </a:t>
             </a:r>
             <a:r>
-              <a:rPr lang="zh-CN" altLang="en-US" sz="2800" dirty="0">
+              <a:rPr lang="zh-CN" altLang="en-US" sz="3200" dirty="0">
                 <a:solidFill>
                   <a:schemeClr val="accent2">
                     <a:lumMod val="50000"/>
                   </a:schemeClr>
                 </a:solidFill>
               </a:rPr>
-              <a:t>基于稳定分片的无线区块链共识算法</a:t>
+              <a:t>基于稳定分片的区块链共识算法</a:t>
             </a:r>
           </a:p>
         </p:txBody>
@@ -33069,8 +33035,8 @@
         </p:nvSpPr>
         <p:spPr>
           <a:xfrm>
-            <a:off x="2667581" y="41275"/>
-            <a:ext cx="6368916" cy="523220"/>
+            <a:off x="3131839" y="41275"/>
+            <a:ext cx="5904657" cy="584775"/>
           </a:xfrm>
           <a:prstGeom prst="rect">
             <a:avLst/>
@@ -33087,7 +33053,7 @@
               <a:defRPr/>
             </a:pPr>
             <a:r>
-              <a:rPr lang="en-US" altLang="zh-CN" sz="2800" dirty="0">
+              <a:rPr lang="en-US" altLang="zh-CN" sz="3200" dirty="0">
                 <a:solidFill>
                   <a:schemeClr val="accent2">
                     <a:lumMod val="50000"/>
@@ -33097,14 +33063,14 @@
               <a:t>3. </a:t>
             </a:r>
             <a:r>
-              <a:rPr lang="zh-CN" altLang="en-US" sz="2800" dirty="0">
+              <a:rPr lang="zh-CN" altLang="en-US" sz="3200" dirty="0">
                 <a:solidFill>
                   <a:schemeClr val="accent2">
                     <a:lumMod val="50000"/>
                   </a:schemeClr>
                 </a:solidFill>
               </a:rPr>
-              <a:t>基于稳定分片的无线区块链共识算法</a:t>
+              <a:t>基于稳定分片区块链共识算法</a:t>
             </a:r>
           </a:p>
         </p:txBody>
@@ -34303,7 +34269,47 @@
                 <a:latin typeface="+mn-ea"/>
                 <a:cs typeface="+mn-cs"/>
               </a:rPr>
-              <a:t>的限制，且区块链分叉会极大地影响系统的性能。且无线自组织网络极易出现网络分区，提高区块链系统出现链分叉的概率。</a:t>
+              <a:t>的限制，且区块链分叉会降低系统的性能。为了提高区块链系统的可扩展性，降低区块链分叉给系统带来的脆弱性，</a:t>
+            </a:r>
+            <a:r>
+              <a:rPr lang="en-US" altLang="zh-CN" dirty="0">
+                <a:solidFill>
+                  <a:srgbClr val="000066"/>
+                </a:solidFill>
+                <a:latin typeface="+mn-ea"/>
+                <a:cs typeface="+mn-cs"/>
+              </a:rPr>
+              <a:t>DAG</a:t>
+            </a:r>
+            <a:r>
+              <a:rPr lang="zh-CN" altLang="en-US" dirty="0">
+                <a:solidFill>
+                  <a:srgbClr val="000066"/>
+                </a:solidFill>
+                <a:latin typeface="+mn-ea"/>
+                <a:cs typeface="+mn-cs"/>
+              </a:rPr>
+              <a:t>区块链系统被提出。</a:t>
+            </a:r>
+            <a:r>
+              <a:rPr lang="en-US" altLang="zh-CN" dirty="0">
+                <a:solidFill>
+                  <a:srgbClr val="000066"/>
+                </a:solidFill>
+                <a:latin typeface="+mn-ea"/>
+                <a:cs typeface="+mn-cs"/>
+              </a:rPr>
+              <a:t>DAG</a:t>
+            </a:r>
+            <a:r>
+              <a:rPr lang="zh-CN" altLang="en-US" dirty="0">
+                <a:solidFill>
+                  <a:srgbClr val="000066"/>
+                </a:solidFill>
+                <a:latin typeface="+mn-ea"/>
+                <a:cs typeface="+mn-cs"/>
+              </a:rPr>
+              <a:t>区块链允许各节点并行处理交易且允许出现链分叉。当网络节点数量增加增加时，会提高系统中交易处理效率，打破区块链系统扩展性的限制。</a:t>
             </a:r>
             <a:endParaRPr lang="en-US" altLang="zh-CN" dirty="0">
               <a:solidFill>
@@ -34340,7 +34346,7 @@
                 <a:latin typeface="+mn-ea"/>
                 <a:cs typeface="+mn-cs"/>
               </a:rPr>
-              <a:t>针对大规模</a:t>
+              <a:t>拟针对大规模</a:t>
             </a:r>
             <a:r>
               <a:rPr lang="zh-CN" altLang="en-US" dirty="0">
@@ -34350,7 +34356,27 @@
                 <a:latin typeface="+mn-ea"/>
                 <a:cs typeface="+mn-cs"/>
               </a:rPr>
-              <a:t>无线自组织</a:t>
+              <a:t>、</a:t>
+            </a:r>
+            <a:r>
+              <a:rPr lang="zh-CN" altLang="zh-CN" dirty="0">
+                <a:solidFill>
+                  <a:srgbClr val="000066"/>
+                </a:solidFill>
+                <a:latin typeface="+mn-ea"/>
+                <a:cs typeface="+mn-cs"/>
+              </a:rPr>
+              <a:t>高动态</a:t>
+            </a:r>
+            <a:r>
+              <a:rPr lang="zh-CN" altLang="en-US" dirty="0">
+                <a:solidFill>
+                  <a:srgbClr val="000066"/>
+                </a:solidFill>
+                <a:latin typeface="+mn-ea"/>
+                <a:cs typeface="+mn-cs"/>
+              </a:rPr>
+              <a:t>、无线自组织</a:t>
             </a:r>
             <a:r>
               <a:rPr lang="zh-CN" altLang="zh-CN" dirty="0">
@@ -34370,7 +34396,7 @@
                 <a:latin typeface="+mn-ea"/>
                 <a:cs typeface="+mn-cs"/>
               </a:rPr>
-              <a:t>场景，考虑网络规模、网络拓扑动态变化和网络分区等问题</a:t>
+              <a:t>场景，考虑</a:t>
             </a:r>
             <a:r>
               <a:rPr lang="zh-CN" altLang="zh-CN" dirty="0">
@@ -34380,7 +34406,7 @@
                 <a:latin typeface="+mn-ea"/>
                 <a:cs typeface="+mn-cs"/>
               </a:rPr>
-              <a:t>，拟</a:t>
+              <a:t>节点</a:t>
             </a:r>
             <a:r>
               <a:rPr lang="zh-CN" altLang="en-US" dirty="0">
@@ -34390,7 +34416,147 @@
                 <a:latin typeface="+mn-ea"/>
                 <a:cs typeface="+mn-cs"/>
               </a:rPr>
-              <a:t>结合无线网络特征和</a:t>
+              <a:t>规模、</a:t>
+            </a:r>
+            <a:r>
+              <a:rPr lang="zh-CN" altLang="zh-CN" dirty="0">
+                <a:solidFill>
+                  <a:srgbClr val="000066"/>
+                </a:solidFill>
+                <a:latin typeface="+mn-ea"/>
+                <a:cs typeface="+mn-cs"/>
+              </a:rPr>
+              <a:t>资源</a:t>
+            </a:r>
+            <a:r>
+              <a:rPr lang="zh-CN" altLang="en-US" dirty="0">
+                <a:solidFill>
+                  <a:srgbClr val="000066"/>
+                </a:solidFill>
+                <a:latin typeface="+mn-ea"/>
+                <a:cs typeface="+mn-cs"/>
+              </a:rPr>
+              <a:t>和网络拓扑动态变化的约束</a:t>
+            </a:r>
+            <a:r>
+              <a:rPr lang="zh-CN" altLang="zh-CN" dirty="0">
+                <a:solidFill>
+                  <a:srgbClr val="000066"/>
+                </a:solidFill>
+                <a:latin typeface="+mn-ea"/>
+                <a:cs typeface="+mn-cs"/>
+              </a:rPr>
+              <a:t>，</a:t>
+            </a:r>
+            <a:r>
+              <a:rPr lang="zh-CN" altLang="en-US" dirty="0">
+                <a:solidFill>
+                  <a:srgbClr val="000066"/>
+                </a:solidFill>
+                <a:latin typeface="+mn-ea"/>
+                <a:cs typeface="+mn-cs"/>
+              </a:rPr>
+              <a:t>在确保安全性的前提条件下，</a:t>
+            </a:r>
+            <a:r>
+              <a:rPr lang="zh-CN" altLang="zh-CN" dirty="0">
+                <a:solidFill>
+                  <a:srgbClr val="000066"/>
+                </a:solidFill>
+                <a:latin typeface="+mn-ea"/>
+                <a:cs typeface="+mn-cs"/>
+              </a:rPr>
+              <a:t>以区块链系统的</a:t>
+            </a:r>
+            <a:r>
+              <a:rPr lang="zh-CN" altLang="en-US" dirty="0">
+                <a:solidFill>
+                  <a:srgbClr val="000066"/>
+                </a:solidFill>
+                <a:latin typeface="+mn-ea"/>
+                <a:cs typeface="+mn-cs"/>
+              </a:rPr>
+              <a:t>高</a:t>
+            </a:r>
+            <a:r>
+              <a:rPr lang="zh-CN" altLang="zh-CN" dirty="0">
+                <a:solidFill>
+                  <a:srgbClr val="000066"/>
+                </a:solidFill>
+                <a:latin typeface="+mn-ea"/>
+                <a:cs typeface="+mn-cs"/>
+              </a:rPr>
+              <a:t>扩展性</a:t>
+            </a:r>
+            <a:r>
+              <a:rPr lang="zh-CN" altLang="en-US" dirty="0">
+                <a:solidFill>
+                  <a:srgbClr val="000066"/>
+                </a:solidFill>
+                <a:latin typeface="+mn-ea"/>
+                <a:cs typeface="+mn-cs"/>
+              </a:rPr>
+              <a:t>和</a:t>
+            </a:r>
+            <a:r>
+              <a:rPr lang="zh-CN" altLang="zh-CN" dirty="0">
+                <a:solidFill>
+                  <a:srgbClr val="000066"/>
+                </a:solidFill>
+                <a:latin typeface="+mn-ea"/>
+                <a:cs typeface="+mn-cs"/>
+              </a:rPr>
+              <a:t>共识</a:t>
+            </a:r>
+            <a:r>
+              <a:rPr lang="zh-CN" altLang="en-US" dirty="0">
+                <a:solidFill>
+                  <a:srgbClr val="000066"/>
+                </a:solidFill>
+                <a:latin typeface="+mn-ea"/>
+                <a:cs typeface="+mn-cs"/>
+              </a:rPr>
+              <a:t>过程的稳定性</a:t>
+            </a:r>
+            <a:r>
+              <a:rPr lang="zh-CN" altLang="zh-CN" dirty="0">
+                <a:solidFill>
+                  <a:srgbClr val="000066"/>
+                </a:solidFill>
+                <a:latin typeface="+mn-ea"/>
+                <a:cs typeface="+mn-cs"/>
+              </a:rPr>
+              <a:t>为目标，设计</a:t>
+            </a:r>
+            <a:r>
+              <a:rPr lang="zh-CN" altLang="en-US" dirty="0">
+                <a:solidFill>
+                  <a:srgbClr val="000066"/>
+                </a:solidFill>
+                <a:latin typeface="+mn-ea"/>
+                <a:cs typeface="+mn-cs"/>
+              </a:rPr>
+              <a:t>稳定高效</a:t>
+            </a:r>
+            <a:r>
+              <a:rPr lang="zh-CN" altLang="zh-CN" dirty="0">
+                <a:solidFill>
+                  <a:srgbClr val="000066"/>
+                </a:solidFill>
+                <a:latin typeface="+mn-ea"/>
+                <a:cs typeface="+mn-cs"/>
+              </a:rPr>
+              <a:t>的</a:t>
+            </a:r>
+            <a:r>
+              <a:rPr lang="zh-CN" altLang="en-US" dirty="0">
+                <a:solidFill>
+                  <a:srgbClr val="000066"/>
+                </a:solidFill>
+                <a:latin typeface="+mn-ea"/>
+                <a:cs typeface="+mn-cs"/>
+              </a:rPr>
+              <a:t>无线</a:t>
             </a:r>
             <a:r>
               <a:rPr lang="en-US" altLang="zh-CN" dirty="0">
@@ -34410,7 +34576,7 @@
                 <a:latin typeface="+mn-ea"/>
                 <a:cs typeface="+mn-cs"/>
               </a:rPr>
-              <a:t>区块链允许分叉的特点，</a:t>
+              <a:t>区块</a:t>
             </a:r>
             <a:r>
               <a:rPr lang="zh-CN" altLang="zh-CN" dirty="0">
@@ -34420,87 +34586,7 @@
                 <a:latin typeface="+mn-ea"/>
                 <a:cs typeface="+mn-cs"/>
               </a:rPr>
-              <a:t>设计</a:t>
-            </a:r>
-            <a:r>
-              <a:rPr lang="zh-CN" altLang="en-US" dirty="0">
-                <a:solidFill>
-                  <a:srgbClr val="000066"/>
-                </a:solidFill>
-                <a:latin typeface="+mn-ea"/>
-                <a:cs typeface="+mn-cs"/>
-              </a:rPr>
-              <a:t>稳定高效</a:t>
-            </a:r>
-            <a:r>
-              <a:rPr lang="zh-CN" altLang="zh-CN" dirty="0">
-                <a:solidFill>
-                  <a:srgbClr val="000066"/>
-                </a:solidFill>
-                <a:latin typeface="+mn-ea"/>
-                <a:cs typeface="+mn-cs"/>
-              </a:rPr>
-              <a:t>的</a:t>
-            </a:r>
-            <a:r>
-              <a:rPr lang="zh-CN" altLang="en-US" dirty="0">
-                <a:solidFill>
-                  <a:srgbClr val="000066"/>
-                </a:solidFill>
-                <a:latin typeface="+mn-ea"/>
-                <a:cs typeface="+mn-cs"/>
-              </a:rPr>
-              <a:t>无线</a:t>
-            </a:r>
-            <a:r>
-              <a:rPr lang="en-US" altLang="zh-CN" dirty="0">
-                <a:solidFill>
-                  <a:srgbClr val="000066"/>
-                </a:solidFill>
-                <a:latin typeface="+mn-ea"/>
-                <a:cs typeface="+mn-cs"/>
-              </a:rPr>
-              <a:t>DAG</a:t>
-            </a:r>
-            <a:r>
-              <a:rPr lang="zh-CN" altLang="en-US" dirty="0">
-                <a:solidFill>
-                  <a:srgbClr val="000066"/>
-                </a:solidFill>
-                <a:latin typeface="+mn-ea"/>
-                <a:cs typeface="+mn-cs"/>
-              </a:rPr>
-              <a:t>区块</a:t>
-            </a:r>
-            <a:r>
-              <a:rPr lang="zh-CN" altLang="zh-CN" dirty="0">
-                <a:solidFill>
-                  <a:srgbClr val="000066"/>
-                </a:solidFill>
-                <a:latin typeface="+mn-ea"/>
-                <a:cs typeface="+mn-cs"/>
-              </a:rPr>
-              <a:t>链共识算法</a:t>
-            </a:r>
-            <a:r>
-              <a:rPr lang="zh-CN" altLang="en-US" dirty="0">
-                <a:solidFill>
-                  <a:srgbClr val="000066"/>
-                </a:solidFill>
-                <a:latin typeface="+mn-ea"/>
-                <a:cs typeface="+mn-cs"/>
-              </a:rPr>
-              <a:t>，在不依赖见证节点的高可信性时，提高区块链系统的交易处理效率和抗双花攻击性</a:t>
-            </a:r>
-            <a:r>
-              <a:rPr lang="zh-CN" altLang="zh-CN" dirty="0">
-                <a:solidFill>
-                  <a:srgbClr val="000066"/>
-                </a:solidFill>
-                <a:latin typeface="+mn-ea"/>
-                <a:cs typeface="+mn-cs"/>
-              </a:rPr>
-              <a:t>。</a:t>
+              <a:t>链共识算法。</a:t>
             </a:r>
             <a:endParaRPr lang="en-US" altLang="zh-CN" dirty="0">
               <a:solidFill>
@@ -34985,7 +35071,7 @@
         <p:spPr>
           <a:xfrm>
             <a:off x="2064205" y="25886"/>
-            <a:ext cx="7044299" cy="523220"/>
+            <a:ext cx="7044299" cy="584775"/>
           </a:xfrm>
           <a:prstGeom prst="rect">
             <a:avLst/>
@@ -35002,7 +35088,7 @@
               <a:defRPr/>
             </a:pPr>
             <a:r>
-              <a:rPr lang="en-US" altLang="zh-CN" sz="2800" dirty="0">
+              <a:rPr lang="en-US" altLang="zh-CN" sz="3200" dirty="0">
                 <a:solidFill>
                   <a:schemeClr val="accent2">
                     <a:lumMod val="50000"/>
@@ -35012,17 +35098,17 @@
               <a:t>4. </a:t>
             </a:r>
             <a:r>
-              <a:rPr lang="zh-CN" altLang="en-US" sz="2800" dirty="0">
+              <a:rPr lang="zh-CN" altLang="en-US" sz="3200" dirty="0">
                 <a:solidFill>
                   <a:schemeClr val="accent2">
                     <a:lumMod val="50000"/>
                   </a:schemeClr>
                 </a:solidFill>
               </a:rPr>
-              <a:t>基于稳定主链的无线</a:t>
-            </a:r>
-            <a:r>
-              <a:rPr lang="en-US" altLang="zh-CN" sz="2800" dirty="0">
+              <a:t>基于稳定主链的</a:t>
+            </a:r>
+            <a:r>
+              <a:rPr lang="en-US" altLang="zh-CN" sz="3200" dirty="0">
                 <a:solidFill>
                   <a:schemeClr val="accent2">
                     <a:lumMod val="50000"/>
@@ -35032,7 +35118,7 @@
               <a:t>DAG</a:t>
             </a:r>
             <a:r>
-              <a:rPr lang="zh-CN" altLang="en-US" sz="2800" dirty="0">
+              <a:rPr lang="zh-CN" altLang="en-US" sz="3200" dirty="0">
                 <a:solidFill>
                   <a:schemeClr val="accent2">
                     <a:lumMod val="50000"/>
@@ -36741,7 +36827,7 @@
         <p:spPr>
           <a:xfrm>
             <a:off x="2195736" y="41275"/>
-            <a:ext cx="6948264" cy="523220"/>
+            <a:ext cx="6948264" cy="584775"/>
           </a:xfrm>
           <a:prstGeom prst="rect">
             <a:avLst/>
@@ -36758,7 +36844,7 @@
               <a:defRPr/>
             </a:pPr>
             <a:r>
-              <a:rPr lang="en-US" altLang="zh-CN" sz="2800" dirty="0">
+              <a:rPr lang="en-US" altLang="zh-CN" sz="3200" dirty="0">
                 <a:solidFill>
                   <a:schemeClr val="accent2">
                     <a:lumMod val="50000"/>
@@ -36768,17 +36854,17 @@
               <a:t>4.</a:t>
             </a:r>
             <a:r>
-              <a:rPr lang="zh-CN" altLang="en-US" sz="2800" dirty="0">
+              <a:rPr lang="zh-CN" altLang="en-US" sz="3200" dirty="0">
                 <a:solidFill>
                   <a:schemeClr val="accent2">
                     <a:lumMod val="50000"/>
                   </a:schemeClr>
                 </a:solidFill>
               </a:rPr>
-              <a:t>基于稳定主链的无线</a:t>
-            </a:r>
-            <a:r>
-              <a:rPr lang="en-US" altLang="zh-CN" sz="2800" dirty="0">
+              <a:t>基于稳定主链的</a:t>
+            </a:r>
+            <a:r>
+              <a:rPr lang="en-US" altLang="zh-CN" sz="3200" dirty="0">
                 <a:solidFill>
                   <a:schemeClr val="accent2">
                     <a:lumMod val="50000"/>
@@ -36788,7 +36874,7 @@
               <a:t>DAG</a:t>
             </a:r>
             <a:r>
-              <a:rPr lang="zh-CN" altLang="en-US" sz="2800" dirty="0">
+              <a:rPr lang="zh-CN" altLang="en-US" sz="3200" dirty="0">
                 <a:solidFill>
                   <a:schemeClr val="accent2">
                     <a:lumMod val="50000"/>
